--- a/NIST_Data_Leakage_Case/NIST_Data_Leakage_12_CD-R_Data_Carving.pptx
+++ b/NIST_Data_Leakage_Case/NIST_Data_Leakage_12_CD-R_Data_Carving.pptx
@@ -155,14 +155,6 @@
     </p:ext>
   </p:extLst>
 </p:presentation>
-</file>
-
-<file path=ppt/revisionInfo.xml><?xml version="1.0" encoding="utf-8"?>
-<p1510:revInfo xmlns:a="http://schemas.openxmlformats.org/drawingml/2006/main" xmlns:r="http://schemas.openxmlformats.org/officeDocument/2006/relationships" xmlns:p1510="http://schemas.microsoft.com/office/powerpoint/2015/10/main">
-  <p1510:revLst>
-    <p1510:client id="{49171F84-9310-4A26-969A-1BF7C29822B4}" v="2" dt="2021-09-16T03:05:52.541"/>
-  </p1510:revLst>
-</p1510:revInfo>
 </file>
 
 <file path=ppt/changesInfos/changesInfo1.xml><?xml version="1.0" encoding="utf-8"?>
@@ -381,6 +373,69 @@
       </pc:sldChg>
     </pc:docChg>
   </pc:docChgLst>
+  <pc:docChgLst>
+    <pc:chgData name="Weifeng Xu" userId="e7aed605-a3dd-4d5a-a692-a87037af107b" providerId="ADAL" clId="{1F1BA725-1E13-47BB-8247-85B54BC15DB7}"/>
+    <pc:docChg chg="custSel modSld">
+      <pc:chgData name="Weifeng Xu" userId="e7aed605-a3dd-4d5a-a692-a87037af107b" providerId="ADAL" clId="{1F1BA725-1E13-47BB-8247-85B54BC15DB7}" dt="2021-11-25T02:31:44.229" v="18" actId="33524"/>
+      <pc:docMkLst>
+        <pc:docMk/>
+      </pc:docMkLst>
+      <pc:sldChg chg="modSp mod">
+        <pc:chgData name="Weifeng Xu" userId="e7aed605-a3dd-4d5a-a692-a87037af107b" providerId="ADAL" clId="{1F1BA725-1E13-47BB-8247-85B54BC15DB7}" dt="2021-11-23T00:37:16.014" v="17" actId="14100"/>
+        <pc:sldMkLst>
+          <pc:docMk/>
+          <pc:sldMk cId="1963454490" sldId="257"/>
+        </pc:sldMkLst>
+        <pc:spChg chg="mod">
+          <ac:chgData name="Weifeng Xu" userId="e7aed605-a3dd-4d5a-a692-a87037af107b" providerId="ADAL" clId="{1F1BA725-1E13-47BB-8247-85B54BC15DB7}" dt="2021-11-23T00:36:31.583" v="11" actId="1076"/>
+          <ac:spMkLst>
+            <pc:docMk/>
+            <pc:sldMk cId="1963454490" sldId="257"/>
+            <ac:spMk id="5" creationId="{00000000-0000-0000-0000-000000000000}"/>
+          </ac:spMkLst>
+        </pc:spChg>
+        <pc:picChg chg="mod">
+          <ac:chgData name="Weifeng Xu" userId="e7aed605-a3dd-4d5a-a692-a87037af107b" providerId="ADAL" clId="{1F1BA725-1E13-47BB-8247-85B54BC15DB7}" dt="2021-11-23T00:36:53.209" v="13" actId="14100"/>
+          <ac:picMkLst>
+            <pc:docMk/>
+            <pc:sldMk cId="1963454490" sldId="257"/>
+            <ac:picMk id="4" creationId="{00000000-0000-0000-0000-000000000000}"/>
+          </ac:picMkLst>
+        </pc:picChg>
+        <pc:picChg chg="mod">
+          <ac:chgData name="Weifeng Xu" userId="e7aed605-a3dd-4d5a-a692-a87037af107b" providerId="ADAL" clId="{1F1BA725-1E13-47BB-8247-85B54BC15DB7}" dt="2021-11-23T00:36:46.406" v="12" actId="14100"/>
+          <ac:picMkLst>
+            <pc:docMk/>
+            <pc:sldMk cId="1963454490" sldId="257"/>
+            <ac:picMk id="6" creationId="{A227360C-9DC4-48EE-AF8C-24B195BE14F5}"/>
+          </ac:picMkLst>
+        </pc:picChg>
+        <pc:picChg chg="mod">
+          <ac:chgData name="Weifeng Xu" userId="e7aed605-a3dd-4d5a-a692-a87037af107b" providerId="ADAL" clId="{1F1BA725-1E13-47BB-8247-85B54BC15DB7}" dt="2021-11-23T00:37:16.014" v="17" actId="14100"/>
+          <ac:picMkLst>
+            <pc:docMk/>
+            <pc:sldMk cId="1963454490" sldId="257"/>
+            <ac:picMk id="8" creationId="{5F8A79BD-97BF-41C3-9EED-6061093A9ABD}"/>
+          </ac:picMkLst>
+        </pc:picChg>
+      </pc:sldChg>
+      <pc:sldChg chg="modSp mod">
+        <pc:chgData name="Weifeng Xu" userId="e7aed605-a3dd-4d5a-a692-a87037af107b" providerId="ADAL" clId="{1F1BA725-1E13-47BB-8247-85B54BC15DB7}" dt="2021-11-25T02:31:44.229" v="18" actId="33524"/>
+        <pc:sldMkLst>
+          <pc:docMk/>
+          <pc:sldMk cId="3340486484" sldId="289"/>
+        </pc:sldMkLst>
+        <pc:spChg chg="mod">
+          <ac:chgData name="Weifeng Xu" userId="e7aed605-a3dd-4d5a-a692-a87037af107b" providerId="ADAL" clId="{1F1BA725-1E13-47BB-8247-85B54BC15DB7}" dt="2021-11-25T02:31:44.229" v="18" actId="33524"/>
+          <ac:spMkLst>
+            <pc:docMk/>
+            <pc:sldMk cId="3340486484" sldId="289"/>
+            <ac:spMk id="3" creationId="{00000000-0000-0000-0000-000000000000}"/>
+          </ac:spMkLst>
+        </pc:spChg>
+      </pc:sldChg>
+    </pc:docChg>
+  </pc:docChgLst>
 </pc:chgInfo>
 </file>
 
@@ -466,7 +521,7 @@
           <a:p>
             <a:fld id="{EE41F6E3-57F9-402E-BDBA-5B2DE11C8530}" type="datetimeFigureOut">
               <a:rPr lang="en-US" smtClean="0"/>
-              <a:t>09/15/2021</a:t>
+              <a:t>11/24/2021</a:t>
             </a:fld>
             <a:endParaRPr lang="en-US"/>
           </a:p>
@@ -4680,7 +4735,7 @@
           <a:p>
             <a:fld id="{4263717A-E3C1-4BED-ABE0-B7069385E023}" type="datetimeFigureOut">
               <a:rPr lang="en-US" smtClean="0"/>
-              <a:t>09/15/2021</a:t>
+              <a:t>11/24/2021</a:t>
             </a:fld>
             <a:endParaRPr lang="en-US"/>
           </a:p>
@@ -4853,7 +4908,7 @@
           <a:p>
             <a:fld id="{4263717A-E3C1-4BED-ABE0-B7069385E023}" type="datetimeFigureOut">
               <a:rPr lang="en-US" smtClean="0"/>
-              <a:t>09/15/2021</a:t>
+              <a:t>11/24/2021</a:t>
             </a:fld>
             <a:endParaRPr lang="en-US"/>
           </a:p>
@@ -5031,7 +5086,7 @@
           <a:p>
             <a:fld id="{4263717A-E3C1-4BED-ABE0-B7069385E023}" type="datetimeFigureOut">
               <a:rPr lang="en-US" smtClean="0"/>
-              <a:t>09/15/2021</a:t>
+              <a:t>11/24/2021</a:t>
             </a:fld>
             <a:endParaRPr lang="en-US"/>
           </a:p>
@@ -5199,7 +5254,7 @@
           <a:p>
             <a:fld id="{4263717A-E3C1-4BED-ABE0-B7069385E023}" type="datetimeFigureOut">
               <a:rPr lang="en-US" smtClean="0"/>
-              <a:t>09/15/2021</a:t>
+              <a:t>11/24/2021</a:t>
             </a:fld>
             <a:endParaRPr lang="en-US"/>
           </a:p>
@@ -5444,7 +5499,7 @@
           <a:p>
             <a:fld id="{4263717A-E3C1-4BED-ABE0-B7069385E023}" type="datetimeFigureOut">
               <a:rPr lang="en-US" smtClean="0"/>
-              <a:t>09/15/2021</a:t>
+              <a:t>11/24/2021</a:t>
             </a:fld>
             <a:endParaRPr lang="en-US"/>
           </a:p>
@@ -5673,7 +5728,7 @@
           <a:p>
             <a:fld id="{4263717A-E3C1-4BED-ABE0-B7069385E023}" type="datetimeFigureOut">
               <a:rPr lang="en-US" smtClean="0"/>
-              <a:t>09/15/2021</a:t>
+              <a:t>11/24/2021</a:t>
             </a:fld>
             <a:endParaRPr lang="en-US"/>
           </a:p>
@@ -6037,7 +6092,7 @@
           <a:p>
             <a:fld id="{4263717A-E3C1-4BED-ABE0-B7069385E023}" type="datetimeFigureOut">
               <a:rPr lang="en-US" smtClean="0"/>
-              <a:t>09/15/2021</a:t>
+              <a:t>11/24/2021</a:t>
             </a:fld>
             <a:endParaRPr lang="en-US"/>
           </a:p>
@@ -6154,7 +6209,7 @@
           <a:p>
             <a:fld id="{4263717A-E3C1-4BED-ABE0-B7069385E023}" type="datetimeFigureOut">
               <a:rPr lang="en-US" smtClean="0"/>
-              <a:t>09/15/2021</a:t>
+              <a:t>11/24/2021</a:t>
             </a:fld>
             <a:endParaRPr lang="en-US"/>
           </a:p>
@@ -6249,7 +6304,7 @@
           <a:p>
             <a:fld id="{4263717A-E3C1-4BED-ABE0-B7069385E023}" type="datetimeFigureOut">
               <a:rPr lang="en-US" smtClean="0"/>
-              <a:t>09/15/2021</a:t>
+              <a:t>11/24/2021</a:t>
             </a:fld>
             <a:endParaRPr lang="en-US"/>
           </a:p>
@@ -6524,7 +6579,7 @@
           <a:p>
             <a:fld id="{4263717A-E3C1-4BED-ABE0-B7069385E023}" type="datetimeFigureOut">
               <a:rPr lang="en-US" smtClean="0"/>
-              <a:t>09/15/2021</a:t>
+              <a:t>11/24/2021</a:t>
             </a:fld>
             <a:endParaRPr lang="en-US"/>
           </a:p>
@@ -6776,7 +6831,7 @@
           <a:p>
             <a:fld id="{4263717A-E3C1-4BED-ABE0-B7069385E023}" type="datetimeFigureOut">
               <a:rPr lang="en-US" smtClean="0"/>
-              <a:t>09/15/2021</a:t>
+              <a:t>11/24/2021</a:t>
             </a:fld>
             <a:endParaRPr lang="en-US"/>
           </a:p>
@@ -6987,7 +7042,7 @@
           <a:p>
             <a:fld id="{4263717A-E3C1-4BED-ABE0-B7069385E023}" type="datetimeFigureOut">
               <a:rPr lang="en-US" smtClean="0"/>
-              <a:t>09/15/2021</a:t>
+              <a:t>11/24/2021</a:t>
             </a:fld>
             <a:endParaRPr lang="en-US"/>
           </a:p>
@@ -8795,8 +8850,8 @@
         </p:blipFill>
         <p:spPr>
           <a:xfrm>
-            <a:off x="349103" y="817589"/>
-            <a:ext cx="11583042" cy="1876998"/>
+            <a:off x="349103" y="936218"/>
+            <a:ext cx="7090083" cy="1758369"/>
           </a:xfrm>
           <a:prstGeom prst="rect">
             <a:avLst/>
@@ -8811,7 +8866,7 @@
         </p:nvSpPr>
         <p:spPr>
           <a:xfrm>
-            <a:off x="349103" y="539784"/>
+            <a:off x="349103" y="640063"/>
             <a:ext cx="4435548" cy="276999"/>
           </a:xfrm>
           <a:prstGeom prst="rect">
@@ -8866,8 +8921,8 @@
         </p:blipFill>
         <p:spPr>
           <a:xfrm>
-            <a:off x="349103" y="3084798"/>
-            <a:ext cx="11583042" cy="1815358"/>
+            <a:off x="349104" y="3091567"/>
+            <a:ext cx="8765200" cy="1758368"/>
           </a:xfrm>
           <a:prstGeom prst="rect">
             <a:avLst/>
@@ -8932,8 +8987,8 @@
         </p:blipFill>
         <p:spPr>
           <a:xfrm>
-            <a:off x="349103" y="5338882"/>
-            <a:ext cx="11583042" cy="1136345"/>
+            <a:off x="349104" y="5338883"/>
+            <a:ext cx="8765200" cy="879054"/>
           </a:xfrm>
           <a:prstGeom prst="rect">
             <a:avLst/>
@@ -10953,7 +11008,7 @@
             </a:r>
             <a:r>
               <a:rPr lang="en-US" dirty="0"/>
-              <a:t> is an open source firmware extraction tool</a:t>
+              <a:t> is an open-source firmware extraction tool</a:t>
             </a:r>
           </a:p>
           <a:p>
